--- a/Mechanical/Schemenskizzen/Powerpoint/Einschüssel_Platte.pptx
+++ b/Mechanical/Schemenskizzen/Powerpoint/Einschüssel_Platte.pptx
@@ -104,11 +104,12 @@
       </a:defRPr>
     </a:lvl9pPr>
   </p:defaultTextStyle>
+  <p:extLst>
+    <p:ext uri="{EFAFB233-063F-42B5-8137-9DF3F51BA10A}">
+      <p15:sldGuideLst xmlns:p15="http://schemas.microsoft.com/office/powerpoint/2012/main"/>
+    </p:ext>
+  </p:extLst>
 </p:presentation>
-</file>
-
-<file path=ppt/revisionInfo.xml><?xml version="1.0" encoding="utf-8"?>
-<p1510:revInfo xmlns:a="http://schemas.openxmlformats.org/drawingml/2006/main" xmlns:r="http://schemas.openxmlformats.org/officeDocument/2006/relationships" xmlns:p1510="http://schemas.microsoft.com/office/powerpoint/2015/10/main"/>
 </file>
 
 <file path=ppt/slideLayouts/slideLayout1.xml><?xml version="1.0" encoding="utf-8"?>
@@ -258,7 +259,7 @@
           <a:p>
             <a:fld id="{46E8D14E-7627-40F8-8AF5-322728A91400}" type="datetimeFigureOut">
               <a:rPr lang="de-DE" smtClean="0"/>
-              <a:t>31.01.2018</a:t>
+              <a:t>18.02.2018</a:t>
             </a:fld>
             <a:endParaRPr lang="de-DE"/>
           </a:p>
@@ -456,7 +457,7 @@
           <a:p>
             <a:fld id="{46E8D14E-7627-40F8-8AF5-322728A91400}" type="datetimeFigureOut">
               <a:rPr lang="de-DE" smtClean="0"/>
-              <a:t>31.01.2018</a:t>
+              <a:t>18.02.2018</a:t>
             </a:fld>
             <a:endParaRPr lang="de-DE"/>
           </a:p>
@@ -664,7 +665,7 @@
           <a:p>
             <a:fld id="{46E8D14E-7627-40F8-8AF5-322728A91400}" type="datetimeFigureOut">
               <a:rPr lang="de-DE" smtClean="0"/>
-              <a:t>31.01.2018</a:t>
+              <a:t>18.02.2018</a:t>
             </a:fld>
             <a:endParaRPr lang="de-DE"/>
           </a:p>
@@ -862,7 +863,7 @@
           <a:p>
             <a:fld id="{46E8D14E-7627-40F8-8AF5-322728A91400}" type="datetimeFigureOut">
               <a:rPr lang="de-DE" smtClean="0"/>
-              <a:t>31.01.2018</a:t>
+              <a:t>18.02.2018</a:t>
             </a:fld>
             <a:endParaRPr lang="de-DE"/>
           </a:p>
@@ -1137,7 +1138,7 @@
           <a:p>
             <a:fld id="{46E8D14E-7627-40F8-8AF5-322728A91400}" type="datetimeFigureOut">
               <a:rPr lang="de-DE" smtClean="0"/>
-              <a:t>31.01.2018</a:t>
+              <a:t>18.02.2018</a:t>
             </a:fld>
             <a:endParaRPr lang="de-DE"/>
           </a:p>
@@ -1402,7 +1403,7 @@
           <a:p>
             <a:fld id="{46E8D14E-7627-40F8-8AF5-322728A91400}" type="datetimeFigureOut">
               <a:rPr lang="de-DE" smtClean="0"/>
-              <a:t>31.01.2018</a:t>
+              <a:t>18.02.2018</a:t>
             </a:fld>
             <a:endParaRPr lang="de-DE"/>
           </a:p>
@@ -1814,7 +1815,7 @@
           <a:p>
             <a:fld id="{46E8D14E-7627-40F8-8AF5-322728A91400}" type="datetimeFigureOut">
               <a:rPr lang="de-DE" smtClean="0"/>
-              <a:t>31.01.2018</a:t>
+              <a:t>18.02.2018</a:t>
             </a:fld>
             <a:endParaRPr lang="de-DE"/>
           </a:p>
@@ -1955,7 +1956,7 @@
           <a:p>
             <a:fld id="{46E8D14E-7627-40F8-8AF5-322728A91400}" type="datetimeFigureOut">
               <a:rPr lang="de-DE" smtClean="0"/>
-              <a:t>31.01.2018</a:t>
+              <a:t>18.02.2018</a:t>
             </a:fld>
             <a:endParaRPr lang="de-DE"/>
           </a:p>
@@ -2068,7 +2069,7 @@
           <a:p>
             <a:fld id="{46E8D14E-7627-40F8-8AF5-322728A91400}" type="datetimeFigureOut">
               <a:rPr lang="de-DE" smtClean="0"/>
-              <a:t>31.01.2018</a:t>
+              <a:t>18.02.2018</a:t>
             </a:fld>
             <a:endParaRPr lang="de-DE"/>
           </a:p>
@@ -2379,7 +2380,7 @@
           <a:p>
             <a:fld id="{46E8D14E-7627-40F8-8AF5-322728A91400}" type="datetimeFigureOut">
               <a:rPr lang="de-DE" smtClean="0"/>
-              <a:t>31.01.2018</a:t>
+              <a:t>18.02.2018</a:t>
             </a:fld>
             <a:endParaRPr lang="de-DE"/>
           </a:p>
@@ -2667,7 +2668,7 @@
           <a:p>
             <a:fld id="{46E8D14E-7627-40F8-8AF5-322728A91400}" type="datetimeFigureOut">
               <a:rPr lang="de-DE" smtClean="0"/>
-              <a:t>31.01.2018</a:t>
+              <a:t>18.02.2018</a:t>
             </a:fld>
             <a:endParaRPr lang="de-DE"/>
           </a:p>
@@ -2908,7 +2909,7 @@
           <a:p>
             <a:fld id="{46E8D14E-7627-40F8-8AF5-322728A91400}" type="datetimeFigureOut">
               <a:rPr lang="de-DE" smtClean="0"/>
-              <a:t>31.01.2018</a:t>
+              <a:t>18.02.2018</a:t>
             </a:fld>
             <a:endParaRPr lang="de-DE"/>
           </a:p>
@@ -3327,10 +3328,10 @@
       </p:grpSpPr>
       <p:grpSp>
         <p:nvGrpSpPr>
-          <p:cNvPr id="27" name="Gruppieren 26">
-            <a:extLst>
-              <a:ext uri="{FF2B5EF4-FFF2-40B4-BE49-F238E27FC236}">
-                <a16:creationId xmlns:a16="http://schemas.microsoft.com/office/drawing/2014/main" id="{F6E359C7-A329-426E-AD2A-FD01CFCC7071}"/>
+          <p:cNvPr id="6" name="Gruppieren 5">
+            <a:extLst>
+              <a:ext uri="{FF2B5EF4-FFF2-40B4-BE49-F238E27FC236}">
+                <a16:creationId xmlns:a16="http://schemas.microsoft.com/office/drawing/2014/main" id="{E97A21E6-1841-4D84-9420-08A79E553783}"/>
               </a:ext>
             </a:extLst>
           </p:cNvPr>
@@ -3339,252 +3340,18 @@
         </p:nvGrpSpPr>
         <p:grpSpPr>
           <a:xfrm>
-            <a:off x="5162393" y="1038690"/>
-            <a:ext cx="960230" cy="3909138"/>
-            <a:chOff x="5162393" y="1038690"/>
-            <a:chExt cx="960230" cy="3909138"/>
+            <a:off x="5213487" y="1368647"/>
+            <a:ext cx="960230" cy="3666466"/>
+            <a:chOff x="5213487" y="1368647"/>
+            <a:chExt cx="960230" cy="3666466"/>
           </a:xfrm>
         </p:grpSpPr>
-        <p:sp>
-          <p:nvSpPr>
-            <p:cNvPr id="4" name="Rechteck 3">
+        <p:grpSp>
+          <p:nvGrpSpPr>
+            <p:cNvPr id="3" name="Gruppieren 2">
               <a:extLst>
                 <a:ext uri="{FF2B5EF4-FFF2-40B4-BE49-F238E27FC236}">
-                  <a16:creationId xmlns:a16="http://schemas.microsoft.com/office/drawing/2014/main" id="{C4601CEE-B09C-4E21-AA82-4B3EB394D6F0}"/>
-                </a:ext>
-              </a:extLst>
-            </p:cNvPr>
-            <p:cNvSpPr/>
-            <p:nvPr/>
-          </p:nvSpPr>
-          <p:spPr>
-            <a:xfrm>
-              <a:off x="5162393" y="1935333"/>
-              <a:ext cx="933596" cy="1500327"/>
-            </a:xfrm>
-            <a:prstGeom prst="rect">
-              <a:avLst/>
-            </a:prstGeom>
-            <a:solidFill>
-              <a:schemeClr val="accent1">
-                <a:lumMod val="40000"/>
-                <a:lumOff val="60000"/>
-              </a:schemeClr>
-            </a:solidFill>
-          </p:spPr>
-          <p:style>
-            <a:lnRef idx="2">
-              <a:schemeClr val="accent1">
-                <a:shade val="50000"/>
-              </a:schemeClr>
-            </a:lnRef>
-            <a:fillRef idx="1">
-              <a:schemeClr val="accent1"/>
-            </a:fillRef>
-            <a:effectRef idx="0">
-              <a:schemeClr val="accent1"/>
-            </a:effectRef>
-            <a:fontRef idx="minor">
-              <a:schemeClr val="lt1"/>
-            </a:fontRef>
-          </p:style>
-          <p:txBody>
-            <a:bodyPr rtlCol="0" anchor="ctr"/>
-            <a:lstStyle/>
-            <a:p>
-              <a:pPr algn="ctr"/>
-              <a:endParaRPr lang="de-DE"/>
-            </a:p>
-          </p:txBody>
-        </p:sp>
-        <p:sp>
-          <p:nvSpPr>
-            <p:cNvPr id="5" name="Rechteck 4">
-              <a:extLst>
-                <a:ext uri="{FF2B5EF4-FFF2-40B4-BE49-F238E27FC236}">
-                  <a16:creationId xmlns:a16="http://schemas.microsoft.com/office/drawing/2014/main" id="{E00F5037-CC60-4491-80CB-0DAB9EB5F6A1}"/>
-                </a:ext>
-              </a:extLst>
-            </p:cNvPr>
-            <p:cNvSpPr/>
-            <p:nvPr/>
-          </p:nvSpPr>
-          <p:spPr>
-            <a:xfrm>
-              <a:off x="5566299" y="2024110"/>
-              <a:ext cx="124288" cy="88777"/>
-            </a:xfrm>
-            <a:prstGeom prst="rect">
-              <a:avLst/>
-            </a:prstGeom>
-          </p:spPr>
-          <p:style>
-            <a:lnRef idx="2">
-              <a:schemeClr val="accent1">
-                <a:shade val="50000"/>
-              </a:schemeClr>
-            </a:lnRef>
-            <a:fillRef idx="1">
-              <a:schemeClr val="accent1"/>
-            </a:fillRef>
-            <a:effectRef idx="0">
-              <a:schemeClr val="accent1"/>
-            </a:effectRef>
-            <a:fontRef idx="minor">
-              <a:schemeClr val="lt1"/>
-            </a:fontRef>
-          </p:style>
-          <p:txBody>
-            <a:bodyPr rtlCol="0" anchor="ctr"/>
-            <a:lstStyle/>
-            <a:p>
-              <a:pPr algn="ctr"/>
-              <a:endParaRPr lang="de-DE"/>
-            </a:p>
-          </p:txBody>
-        </p:sp>
-        <p:cxnSp>
-          <p:nvCxnSpPr>
-            <p:cNvPr id="7" name="Gerader Verbinder 6">
-              <a:extLst>
-                <a:ext uri="{FF2B5EF4-FFF2-40B4-BE49-F238E27FC236}">
-                  <a16:creationId xmlns:a16="http://schemas.microsoft.com/office/drawing/2014/main" id="{B6565BF9-12A6-482F-81E1-C03E076D5AAE}"/>
-                </a:ext>
-              </a:extLst>
-            </p:cNvPr>
-            <p:cNvCxnSpPr>
-              <a:endCxn id="5" idx="0"/>
-            </p:cNvCxnSpPr>
-            <p:nvPr/>
-          </p:nvCxnSpPr>
-          <p:spPr>
-            <a:xfrm>
-              <a:off x="5628443" y="1864311"/>
-              <a:ext cx="0" cy="159799"/>
-            </a:xfrm>
-            <a:prstGeom prst="line">
-              <a:avLst/>
-            </a:prstGeom>
-          </p:spPr>
-          <p:style>
-            <a:lnRef idx="1">
-              <a:schemeClr val="accent1"/>
-            </a:lnRef>
-            <a:fillRef idx="0">
-              <a:schemeClr val="accent1"/>
-            </a:fillRef>
-            <a:effectRef idx="0">
-              <a:schemeClr val="accent1"/>
-            </a:effectRef>
-            <a:fontRef idx="minor">
-              <a:schemeClr val="tx1"/>
-            </a:fontRef>
-          </p:style>
-        </p:cxnSp>
-        <p:sp>
-          <p:nvSpPr>
-            <p:cNvPr id="8" name="Rechteck 7">
-              <a:extLst>
-                <a:ext uri="{FF2B5EF4-FFF2-40B4-BE49-F238E27FC236}">
-                  <a16:creationId xmlns:a16="http://schemas.microsoft.com/office/drawing/2014/main" id="{FD6956C5-7FAF-4A37-AB09-FB7415FCFF6C}"/>
-                </a:ext>
-              </a:extLst>
-            </p:cNvPr>
-            <p:cNvSpPr/>
-            <p:nvPr/>
-          </p:nvSpPr>
-          <p:spPr>
-            <a:xfrm>
-              <a:off x="5552991" y="1402671"/>
-              <a:ext cx="155351" cy="532662"/>
-            </a:xfrm>
-            <a:prstGeom prst="rect">
-              <a:avLst/>
-            </a:prstGeom>
-          </p:spPr>
-          <p:style>
-            <a:lnRef idx="2">
-              <a:schemeClr val="accent1">
-                <a:shade val="50000"/>
-              </a:schemeClr>
-            </a:lnRef>
-            <a:fillRef idx="1">
-              <a:schemeClr val="accent1"/>
-            </a:fillRef>
-            <a:effectRef idx="0">
-              <a:schemeClr val="accent1"/>
-            </a:effectRef>
-            <a:fontRef idx="minor">
-              <a:schemeClr val="lt1"/>
-            </a:fontRef>
-          </p:style>
-          <p:txBody>
-            <a:bodyPr rtlCol="0" anchor="ctr"/>
-            <a:lstStyle/>
-            <a:p>
-              <a:pPr algn="ctr"/>
-              <a:endParaRPr lang="de-DE"/>
-            </a:p>
-          </p:txBody>
-        </p:sp>
-        <p:sp>
-          <p:nvSpPr>
-            <p:cNvPr id="9" name="Ellipse 8">
-              <a:extLst>
-                <a:ext uri="{FF2B5EF4-FFF2-40B4-BE49-F238E27FC236}">
-                  <a16:creationId xmlns:a16="http://schemas.microsoft.com/office/drawing/2014/main" id="{0570D10D-5D52-49B2-B940-BA38852F56E3}"/>
-                </a:ext>
-              </a:extLst>
-            </p:cNvPr>
-            <p:cNvSpPr/>
-            <p:nvPr/>
-          </p:nvSpPr>
-          <p:spPr>
-            <a:xfrm>
-              <a:off x="5397623" y="2183909"/>
-              <a:ext cx="461640" cy="479394"/>
-            </a:xfrm>
-            <a:prstGeom prst="ellipse">
-              <a:avLst/>
-            </a:prstGeom>
-            <a:solidFill>
-              <a:schemeClr val="accent2">
-                <a:lumMod val="40000"/>
-                <a:lumOff val="60000"/>
-              </a:schemeClr>
-            </a:solidFill>
-          </p:spPr>
-          <p:style>
-            <a:lnRef idx="2">
-              <a:schemeClr val="accent1">
-                <a:shade val="50000"/>
-              </a:schemeClr>
-            </a:lnRef>
-            <a:fillRef idx="1">
-              <a:schemeClr val="accent1"/>
-            </a:fillRef>
-            <a:effectRef idx="0">
-              <a:schemeClr val="accent1"/>
-            </a:effectRef>
-            <a:fontRef idx="minor">
-              <a:schemeClr val="lt1"/>
-            </a:fontRef>
-          </p:style>
-          <p:txBody>
-            <a:bodyPr rtlCol="0" anchor="ctr"/>
-            <a:lstStyle/>
-            <a:p>
-              <a:pPr algn="ctr"/>
-              <a:endParaRPr lang="de-DE"/>
-            </a:p>
-          </p:txBody>
-        </p:sp>
-        <p:grpSp>
-          <p:nvGrpSpPr>
-            <p:cNvPr id="14" name="Gruppieren 13">
-              <a:extLst>
-                <a:ext uri="{FF2B5EF4-FFF2-40B4-BE49-F238E27FC236}">
-                  <a16:creationId xmlns:a16="http://schemas.microsoft.com/office/drawing/2014/main" id="{35AF9612-3446-4E87-B825-37A1FAC7692C}"/>
+                  <a16:creationId xmlns:a16="http://schemas.microsoft.com/office/drawing/2014/main" id="{59837E31-5F7A-425B-ABED-5AAB537F84A6}"/>
                 </a:ext>
               </a:extLst>
             </p:cNvPr>
@@ -3592,19 +3359,19 @@
             <p:nvPr/>
           </p:nvGrpSpPr>
           <p:grpSpPr>
-            <a:xfrm rot="10800000">
-              <a:off x="5552991" y="3244793"/>
-              <a:ext cx="155351" cy="710216"/>
-              <a:chOff x="7409904" y="1757778"/>
-              <a:chExt cx="155351" cy="710216"/>
+            <a:xfrm>
+              <a:off x="5213487" y="1936809"/>
+              <a:ext cx="933596" cy="3098304"/>
+              <a:chOff x="5162393" y="1038690"/>
+              <a:chExt cx="933596" cy="3098304"/>
             </a:xfrm>
           </p:grpSpPr>
           <p:sp>
             <p:nvSpPr>
-              <p:cNvPr id="10" name="Rechteck 9">
+              <p:cNvPr id="4" name="Rechteck 3">
                 <a:extLst>
                   <a:ext uri="{FF2B5EF4-FFF2-40B4-BE49-F238E27FC236}">
-                    <a16:creationId xmlns:a16="http://schemas.microsoft.com/office/drawing/2014/main" id="{759B6ADF-CC46-46D4-A251-11D162AC88AF}"/>
+                    <a16:creationId xmlns:a16="http://schemas.microsoft.com/office/drawing/2014/main" id="{C4601CEE-B09C-4E21-AA82-4B3EB394D6F0}"/>
                   </a:ext>
                 </a:extLst>
               </p:cNvPr>
@@ -3613,7 +3380,59 @@
             </p:nvSpPr>
             <p:spPr>
               <a:xfrm>
-                <a:off x="7423212" y="2379217"/>
+                <a:off x="5162393" y="1935333"/>
+                <a:ext cx="933596" cy="1500327"/>
+              </a:xfrm>
+              <a:prstGeom prst="rect">
+                <a:avLst/>
+              </a:prstGeom>
+              <a:solidFill>
+                <a:schemeClr val="accent1">
+                  <a:lumMod val="40000"/>
+                  <a:lumOff val="60000"/>
+                </a:schemeClr>
+              </a:solidFill>
+            </p:spPr>
+            <p:style>
+              <a:lnRef idx="2">
+                <a:schemeClr val="accent1">
+                  <a:shade val="50000"/>
+                </a:schemeClr>
+              </a:lnRef>
+              <a:fillRef idx="1">
+                <a:schemeClr val="accent1"/>
+              </a:fillRef>
+              <a:effectRef idx="0">
+                <a:schemeClr val="accent1"/>
+              </a:effectRef>
+              <a:fontRef idx="minor">
+                <a:schemeClr val="lt1"/>
+              </a:fontRef>
+            </p:style>
+            <p:txBody>
+              <a:bodyPr rtlCol="0" anchor="ctr"/>
+              <a:lstStyle/>
+              <a:p>
+                <a:pPr algn="ctr"/>
+                <a:endParaRPr lang="de-DE"/>
+              </a:p>
+            </p:txBody>
+          </p:sp>
+          <p:sp>
+            <p:nvSpPr>
+              <p:cNvPr id="5" name="Rechteck 4">
+                <a:extLst>
+                  <a:ext uri="{FF2B5EF4-FFF2-40B4-BE49-F238E27FC236}">
+                    <a16:creationId xmlns:a16="http://schemas.microsoft.com/office/drawing/2014/main" id="{E00F5037-CC60-4491-80CB-0DAB9EB5F6A1}"/>
+                  </a:ext>
+                </a:extLst>
+              </p:cNvPr>
+              <p:cNvSpPr/>
+              <p:nvPr/>
+            </p:nvSpPr>
+            <p:spPr>
+              <a:xfrm>
+                <a:off x="5566299" y="2024110"/>
                 <a:ext cx="124288" cy="88777"/>
               </a:xfrm>
               <a:prstGeom prst="rect">
@@ -3647,21 +3466,21 @@
           </p:sp>
           <p:cxnSp>
             <p:nvCxnSpPr>
-              <p:cNvPr id="11" name="Gerader Verbinder 10">
+              <p:cNvPr id="7" name="Gerader Verbinder 6">
                 <a:extLst>
                   <a:ext uri="{FF2B5EF4-FFF2-40B4-BE49-F238E27FC236}">
-                    <a16:creationId xmlns:a16="http://schemas.microsoft.com/office/drawing/2014/main" id="{BA4C69A1-3B17-48A8-88D5-081A1295C8DF}"/>
+                    <a16:creationId xmlns:a16="http://schemas.microsoft.com/office/drawing/2014/main" id="{B6565BF9-12A6-482F-81E1-C03E076D5AAE}"/>
                   </a:ext>
                 </a:extLst>
               </p:cNvPr>
               <p:cNvCxnSpPr>
-                <a:cxnSpLocks/>
+                <a:endCxn id="5" idx="0"/>
               </p:cNvCxnSpPr>
               <p:nvPr/>
             </p:nvCxnSpPr>
             <p:spPr>
               <a:xfrm>
-                <a:off x="7485356" y="2219418"/>
+                <a:off x="5628443" y="1864311"/>
                 <a:ext cx="0" cy="159799"/>
               </a:xfrm>
               <a:prstGeom prst="line">
@@ -3685,10 +3504,10 @@
           </p:cxnSp>
           <p:sp>
             <p:nvSpPr>
-              <p:cNvPr id="12" name="Rechteck 11">
+              <p:cNvPr id="8" name="Rechteck 7">
                 <a:extLst>
                   <a:ext uri="{FF2B5EF4-FFF2-40B4-BE49-F238E27FC236}">
-                    <a16:creationId xmlns:a16="http://schemas.microsoft.com/office/drawing/2014/main" id="{D9ECB61C-6D44-4D6E-A879-A3DEEC725294}"/>
+                    <a16:creationId xmlns:a16="http://schemas.microsoft.com/office/drawing/2014/main" id="{FD6956C5-7FAF-4A37-AB09-FB7415FCFF6C}"/>
                   </a:ext>
                 </a:extLst>
               </p:cNvPr>
@@ -3697,7 +3516,7 @@
             </p:nvSpPr>
             <p:spPr>
               <a:xfrm>
-                <a:off x="7409904" y="1757778"/>
+                <a:off x="5552991" y="1402671"/>
                 <a:ext cx="155351" cy="532662"/>
               </a:xfrm>
               <a:prstGeom prst="rect">
@@ -3729,344 +3548,568 @@
               </a:p>
             </p:txBody>
           </p:sp>
+          <p:sp>
+            <p:nvSpPr>
+              <p:cNvPr id="9" name="Ellipse 8">
+                <a:extLst>
+                  <a:ext uri="{FF2B5EF4-FFF2-40B4-BE49-F238E27FC236}">
+                    <a16:creationId xmlns:a16="http://schemas.microsoft.com/office/drawing/2014/main" id="{0570D10D-5D52-49B2-B940-BA38852F56E3}"/>
+                  </a:ext>
+                </a:extLst>
+              </p:cNvPr>
+              <p:cNvSpPr/>
+              <p:nvPr/>
+            </p:nvSpPr>
+            <p:spPr>
+              <a:xfrm>
+                <a:off x="5397623" y="2183909"/>
+                <a:ext cx="461640" cy="479394"/>
+              </a:xfrm>
+              <a:prstGeom prst="ellipse">
+                <a:avLst/>
+              </a:prstGeom>
+              <a:solidFill>
+                <a:schemeClr val="accent2">
+                  <a:lumMod val="40000"/>
+                  <a:lumOff val="60000"/>
+                </a:schemeClr>
+              </a:solidFill>
+            </p:spPr>
+            <p:style>
+              <a:lnRef idx="2">
+                <a:schemeClr val="accent1">
+                  <a:shade val="50000"/>
+                </a:schemeClr>
+              </a:lnRef>
+              <a:fillRef idx="1">
+                <a:schemeClr val="accent1"/>
+              </a:fillRef>
+              <a:effectRef idx="0">
+                <a:schemeClr val="accent1"/>
+              </a:effectRef>
+              <a:fontRef idx="minor">
+                <a:schemeClr val="lt1"/>
+              </a:fontRef>
+            </p:style>
+            <p:txBody>
+              <a:bodyPr rtlCol="0" anchor="ctr"/>
+              <a:lstStyle/>
+              <a:p>
+                <a:pPr algn="ctr"/>
+                <a:endParaRPr lang="de-DE"/>
+              </a:p>
+            </p:txBody>
+          </p:sp>
+          <p:grpSp>
+            <p:nvGrpSpPr>
+              <p:cNvPr id="14" name="Gruppieren 13">
+                <a:extLst>
+                  <a:ext uri="{FF2B5EF4-FFF2-40B4-BE49-F238E27FC236}">
+                    <a16:creationId xmlns:a16="http://schemas.microsoft.com/office/drawing/2014/main" id="{35AF9612-3446-4E87-B825-37A1FAC7692C}"/>
+                  </a:ext>
+                </a:extLst>
+              </p:cNvPr>
+              <p:cNvGrpSpPr/>
+              <p:nvPr/>
+            </p:nvGrpSpPr>
+            <p:grpSpPr>
+              <a:xfrm rot="10800000">
+                <a:off x="5552991" y="3244793"/>
+                <a:ext cx="155351" cy="710216"/>
+                <a:chOff x="7409904" y="1757778"/>
+                <a:chExt cx="155351" cy="710216"/>
+              </a:xfrm>
+            </p:grpSpPr>
+            <p:sp>
+              <p:nvSpPr>
+                <p:cNvPr id="10" name="Rechteck 9">
+                  <a:extLst>
+                    <a:ext uri="{FF2B5EF4-FFF2-40B4-BE49-F238E27FC236}">
+                      <a16:creationId xmlns:a16="http://schemas.microsoft.com/office/drawing/2014/main" id="{759B6ADF-CC46-46D4-A251-11D162AC88AF}"/>
+                    </a:ext>
+                  </a:extLst>
+                </p:cNvPr>
+                <p:cNvSpPr/>
+                <p:nvPr/>
+              </p:nvSpPr>
+              <p:spPr>
+                <a:xfrm>
+                  <a:off x="7423212" y="2379217"/>
+                  <a:ext cx="124288" cy="88777"/>
+                </a:xfrm>
+                <a:prstGeom prst="rect">
+                  <a:avLst/>
+                </a:prstGeom>
+              </p:spPr>
+              <p:style>
+                <a:lnRef idx="2">
+                  <a:schemeClr val="accent1">
+                    <a:shade val="50000"/>
+                  </a:schemeClr>
+                </a:lnRef>
+                <a:fillRef idx="1">
+                  <a:schemeClr val="accent1"/>
+                </a:fillRef>
+                <a:effectRef idx="0">
+                  <a:schemeClr val="accent1"/>
+                </a:effectRef>
+                <a:fontRef idx="minor">
+                  <a:schemeClr val="lt1"/>
+                </a:fontRef>
+              </p:style>
+              <p:txBody>
+                <a:bodyPr rtlCol="0" anchor="ctr"/>
+                <a:lstStyle/>
+                <a:p>
+                  <a:pPr algn="ctr"/>
+                  <a:endParaRPr lang="de-DE"/>
+                </a:p>
+              </p:txBody>
+            </p:sp>
+            <p:cxnSp>
+              <p:nvCxnSpPr>
+                <p:cNvPr id="11" name="Gerader Verbinder 10">
+                  <a:extLst>
+                    <a:ext uri="{FF2B5EF4-FFF2-40B4-BE49-F238E27FC236}">
+                      <a16:creationId xmlns:a16="http://schemas.microsoft.com/office/drawing/2014/main" id="{BA4C69A1-3B17-48A8-88D5-081A1295C8DF}"/>
+                    </a:ext>
+                  </a:extLst>
+                </p:cNvPr>
+                <p:cNvCxnSpPr>
+                  <a:cxnSpLocks/>
+                </p:cNvCxnSpPr>
+                <p:nvPr/>
+              </p:nvCxnSpPr>
+              <p:spPr>
+                <a:xfrm>
+                  <a:off x="7485356" y="2219418"/>
+                  <a:ext cx="0" cy="159799"/>
+                </a:xfrm>
+                <a:prstGeom prst="line">
+                  <a:avLst/>
+                </a:prstGeom>
+              </p:spPr>
+              <p:style>
+                <a:lnRef idx="1">
+                  <a:schemeClr val="accent1"/>
+                </a:lnRef>
+                <a:fillRef idx="0">
+                  <a:schemeClr val="accent1"/>
+                </a:fillRef>
+                <a:effectRef idx="0">
+                  <a:schemeClr val="accent1"/>
+                </a:effectRef>
+                <a:fontRef idx="minor">
+                  <a:schemeClr val="tx1"/>
+                </a:fontRef>
+              </p:style>
+            </p:cxnSp>
+            <p:sp>
+              <p:nvSpPr>
+                <p:cNvPr id="12" name="Rechteck 11">
+                  <a:extLst>
+                    <a:ext uri="{FF2B5EF4-FFF2-40B4-BE49-F238E27FC236}">
+                      <a16:creationId xmlns:a16="http://schemas.microsoft.com/office/drawing/2014/main" id="{D9ECB61C-6D44-4D6E-A879-A3DEEC725294}"/>
+                    </a:ext>
+                  </a:extLst>
+                </p:cNvPr>
+                <p:cNvSpPr/>
+                <p:nvPr/>
+              </p:nvSpPr>
+              <p:spPr>
+                <a:xfrm>
+                  <a:off x="7409904" y="1757778"/>
+                  <a:ext cx="155351" cy="532662"/>
+                </a:xfrm>
+                <a:prstGeom prst="rect">
+                  <a:avLst/>
+                </a:prstGeom>
+              </p:spPr>
+              <p:style>
+                <a:lnRef idx="2">
+                  <a:schemeClr val="accent1">
+                    <a:shade val="50000"/>
+                  </a:schemeClr>
+                </a:lnRef>
+                <a:fillRef idx="1">
+                  <a:schemeClr val="accent1"/>
+                </a:fillRef>
+                <a:effectRef idx="0">
+                  <a:schemeClr val="accent1"/>
+                </a:effectRef>
+                <a:fontRef idx="minor">
+                  <a:schemeClr val="lt1"/>
+                </a:fontRef>
+              </p:style>
+              <p:txBody>
+                <a:bodyPr rtlCol="0" anchor="ctr"/>
+                <a:lstStyle/>
+                <a:p>
+                  <a:pPr algn="ctr"/>
+                  <a:endParaRPr lang="de-DE"/>
+                </a:p>
+              </p:txBody>
+            </p:sp>
+          </p:grpSp>
+          <p:cxnSp>
+            <p:nvCxnSpPr>
+              <p:cNvPr id="17" name="Gerader Verbinder 16">
+                <a:extLst>
+                  <a:ext uri="{FF2B5EF4-FFF2-40B4-BE49-F238E27FC236}">
+                    <a16:creationId xmlns:a16="http://schemas.microsoft.com/office/drawing/2014/main" id="{477DE5CA-CB5E-48AE-82E2-6D562D0FD279}"/>
+                  </a:ext>
+                </a:extLst>
+              </p:cNvPr>
+              <p:cNvCxnSpPr/>
+              <p:nvPr/>
+            </p:nvCxnSpPr>
+            <p:spPr>
+              <a:xfrm>
+                <a:off x="5303680" y="2432483"/>
+                <a:ext cx="649526" cy="0"/>
+              </a:xfrm>
+              <a:prstGeom prst="line">
+                <a:avLst/>
+              </a:prstGeom>
+              <a:ln w="9525" cap="flat" cmpd="sng" algn="ctr">
+                <a:solidFill>
+                  <a:schemeClr val="accent1"/>
+                </a:solidFill>
+                <a:prstDash val="dash"/>
+                <a:round/>
+                <a:headEnd type="none" w="med" len="med"/>
+                <a:tailEnd type="none" w="med" len="med"/>
+              </a:ln>
+            </p:spPr>
+            <p:style>
+              <a:lnRef idx="0">
+                <a:scrgbClr r="0" g="0" b="0"/>
+              </a:lnRef>
+              <a:fillRef idx="0">
+                <a:scrgbClr r="0" g="0" b="0"/>
+              </a:fillRef>
+              <a:effectRef idx="0">
+                <a:scrgbClr r="0" g="0" b="0"/>
+              </a:effectRef>
+              <a:fontRef idx="minor">
+                <a:schemeClr val="tx1"/>
+              </a:fontRef>
+            </p:style>
+          </p:cxnSp>
+          <p:cxnSp>
+            <p:nvCxnSpPr>
+              <p:cNvPr id="18" name="Gerader Verbinder 17">
+                <a:extLst>
+                  <a:ext uri="{FF2B5EF4-FFF2-40B4-BE49-F238E27FC236}">
+                    <a16:creationId xmlns:a16="http://schemas.microsoft.com/office/drawing/2014/main" id="{F420E34E-213C-4531-9DEF-09DA05318857}"/>
+                  </a:ext>
+                </a:extLst>
+              </p:cNvPr>
+              <p:cNvCxnSpPr>
+                <a:cxnSpLocks/>
+              </p:cNvCxnSpPr>
+              <p:nvPr/>
+            </p:nvCxnSpPr>
+            <p:spPr>
+              <a:xfrm flipV="1">
+                <a:off x="5628443" y="2183909"/>
+                <a:ext cx="0" cy="605162"/>
+              </a:xfrm>
+              <a:prstGeom prst="line">
+                <a:avLst/>
+              </a:prstGeom>
+              <a:ln w="9525" cap="flat" cmpd="sng" algn="ctr">
+                <a:solidFill>
+                  <a:schemeClr val="accent1"/>
+                </a:solidFill>
+                <a:prstDash val="dash"/>
+                <a:round/>
+                <a:headEnd type="none" w="med" len="med"/>
+                <a:tailEnd type="none" w="med" len="med"/>
+              </a:ln>
+            </p:spPr>
+            <p:style>
+              <a:lnRef idx="0">
+                <a:scrgbClr r="0" g="0" b="0"/>
+              </a:lnRef>
+              <a:fillRef idx="0">
+                <a:scrgbClr r="0" g="0" b="0"/>
+              </a:fillRef>
+              <a:effectRef idx="0">
+                <a:scrgbClr r="0" g="0" b="0"/>
+              </a:effectRef>
+              <a:fontRef idx="minor">
+                <a:schemeClr val="tx1"/>
+              </a:fontRef>
+            </p:style>
+          </p:cxnSp>
+          <p:cxnSp>
+            <p:nvCxnSpPr>
+              <p:cNvPr id="20" name="Gerader Verbinder 19">
+                <a:extLst>
+                  <a:ext uri="{FF2B5EF4-FFF2-40B4-BE49-F238E27FC236}">
+                    <a16:creationId xmlns:a16="http://schemas.microsoft.com/office/drawing/2014/main" id="{C2144D51-0B34-4470-9754-F241A78F4897}"/>
+                  </a:ext>
+                </a:extLst>
+              </p:cNvPr>
+              <p:cNvCxnSpPr>
+                <a:cxnSpLocks/>
+              </p:cNvCxnSpPr>
+              <p:nvPr/>
+            </p:nvCxnSpPr>
+            <p:spPr>
+              <a:xfrm flipV="1">
+                <a:off x="5628443" y="2991775"/>
+                <a:ext cx="0" cy="1145219"/>
+              </a:xfrm>
+              <a:prstGeom prst="line">
+                <a:avLst/>
+              </a:prstGeom>
+              <a:ln w="9525" cap="flat" cmpd="sng" algn="ctr">
+                <a:solidFill>
+                  <a:schemeClr val="accent1"/>
+                </a:solidFill>
+                <a:prstDash val="dash"/>
+                <a:round/>
+                <a:headEnd type="none" w="med" len="med"/>
+                <a:tailEnd type="none" w="med" len="med"/>
+              </a:ln>
+            </p:spPr>
+            <p:style>
+              <a:lnRef idx="0">
+                <a:scrgbClr r="0" g="0" b="0"/>
+              </a:lnRef>
+              <a:fillRef idx="0">
+                <a:scrgbClr r="0" g="0" b="0"/>
+              </a:fillRef>
+              <a:effectRef idx="0">
+                <a:scrgbClr r="0" g="0" b="0"/>
+              </a:effectRef>
+              <a:fontRef idx="minor">
+                <a:schemeClr val="tx1"/>
+              </a:fontRef>
+            </p:style>
+          </p:cxnSp>
+          <p:cxnSp>
+            <p:nvCxnSpPr>
+              <p:cNvPr id="24" name="Gerader Verbinder 23">
+                <a:extLst>
+                  <a:ext uri="{FF2B5EF4-FFF2-40B4-BE49-F238E27FC236}">
+                    <a16:creationId xmlns:a16="http://schemas.microsoft.com/office/drawing/2014/main" id="{0CE63FF7-3A23-4E9D-81EF-02E324D2ECC9}"/>
+                  </a:ext>
+                </a:extLst>
+              </p:cNvPr>
+              <p:cNvCxnSpPr>
+                <a:cxnSpLocks/>
+              </p:cNvCxnSpPr>
+              <p:nvPr/>
+            </p:nvCxnSpPr>
+            <p:spPr>
+              <a:xfrm flipV="1">
+                <a:off x="5628443" y="1038690"/>
+                <a:ext cx="0" cy="1145219"/>
+              </a:xfrm>
+              <a:prstGeom prst="line">
+                <a:avLst/>
+              </a:prstGeom>
+              <a:ln w="9525" cap="flat" cmpd="sng" algn="ctr">
+                <a:solidFill>
+                  <a:schemeClr val="accent1"/>
+                </a:solidFill>
+                <a:prstDash val="dash"/>
+                <a:round/>
+                <a:headEnd type="none" w="med" len="med"/>
+                <a:tailEnd type="none" w="med" len="med"/>
+              </a:ln>
+            </p:spPr>
+            <p:style>
+              <a:lnRef idx="0">
+                <a:scrgbClr r="0" g="0" b="0"/>
+              </a:lnRef>
+              <a:fillRef idx="0">
+                <a:scrgbClr r="0" g="0" b="0"/>
+              </a:fillRef>
+              <a:effectRef idx="0">
+                <a:scrgbClr r="0" g="0" b="0"/>
+              </a:effectRef>
+              <a:fontRef idx="minor">
+                <a:schemeClr val="tx1"/>
+              </a:fontRef>
+            </p:style>
+          </p:cxnSp>
         </p:grpSp>
-        <p:sp>
-          <p:nvSpPr>
-            <p:cNvPr id="15" name="Rechteck 14">
+        <p:grpSp>
+          <p:nvGrpSpPr>
+            <p:cNvPr id="2" name="Gruppieren 1">
               <a:extLst>
                 <a:ext uri="{FF2B5EF4-FFF2-40B4-BE49-F238E27FC236}">
-                  <a16:creationId xmlns:a16="http://schemas.microsoft.com/office/drawing/2014/main" id="{9926D58F-4278-48E1-8367-F86FE8CD1309}"/>
+                  <a16:creationId xmlns:a16="http://schemas.microsoft.com/office/drawing/2014/main" id="{A03825F3-B50B-475C-B397-42539520267D}"/>
                 </a:ext>
               </a:extLst>
             </p:cNvPr>
-            <p:cNvSpPr/>
+            <p:cNvGrpSpPr/>
             <p:nvPr/>
-          </p:nvSpPr>
-          <p:spPr>
+          </p:nvGrpSpPr>
+          <p:grpSpPr>
             <a:xfrm>
-              <a:off x="5162393" y="4651899"/>
-              <a:ext cx="960230" cy="133178"/>
+              <a:off x="5213487" y="1368647"/>
+              <a:ext cx="960230" cy="605162"/>
+              <a:chOff x="5162393" y="4342666"/>
+              <a:chExt cx="960230" cy="605162"/>
             </a:xfrm>
-            <a:prstGeom prst="rect">
-              <a:avLst/>
-            </a:prstGeom>
-            <a:solidFill>
-              <a:schemeClr val="accent1">
-                <a:lumMod val="40000"/>
-                <a:lumOff val="60000"/>
-              </a:schemeClr>
-            </a:solidFill>
-          </p:spPr>
-          <p:style>
-            <a:lnRef idx="2">
-              <a:schemeClr val="accent1">
-                <a:shade val="50000"/>
-              </a:schemeClr>
-            </a:lnRef>
-            <a:fillRef idx="1">
-              <a:schemeClr val="accent1"/>
-            </a:fillRef>
-            <a:effectRef idx="0">
-              <a:schemeClr val="accent1"/>
-            </a:effectRef>
-            <a:fontRef idx="minor">
-              <a:schemeClr val="lt1"/>
-            </a:fontRef>
-          </p:style>
-          <p:txBody>
-            <a:bodyPr rtlCol="0" anchor="ctr"/>
-            <a:lstStyle/>
-            <a:p>
-              <a:pPr algn="ctr"/>
-              <a:endParaRPr lang="de-DE"/>
-            </a:p>
-          </p:txBody>
-        </p:sp>
-        <p:cxnSp>
-          <p:nvCxnSpPr>
-            <p:cNvPr id="17" name="Gerader Verbinder 16">
-              <a:extLst>
-                <a:ext uri="{FF2B5EF4-FFF2-40B4-BE49-F238E27FC236}">
-                  <a16:creationId xmlns:a16="http://schemas.microsoft.com/office/drawing/2014/main" id="{477DE5CA-CB5E-48AE-82E2-6D562D0FD279}"/>
-                </a:ext>
-              </a:extLst>
-            </p:cNvPr>
-            <p:cNvCxnSpPr/>
-            <p:nvPr/>
-          </p:nvCxnSpPr>
-          <p:spPr>
-            <a:xfrm>
-              <a:off x="5303680" y="2432483"/>
-              <a:ext cx="649526" cy="0"/>
-            </a:xfrm>
-            <a:prstGeom prst="line">
-              <a:avLst/>
-            </a:prstGeom>
-            <a:ln w="9525" cap="flat" cmpd="sng" algn="ctr">
+          </p:grpSpPr>
+          <p:sp>
+            <p:nvSpPr>
+              <p:cNvPr id="15" name="Rechteck 14">
+                <a:extLst>
+                  <a:ext uri="{FF2B5EF4-FFF2-40B4-BE49-F238E27FC236}">
+                    <a16:creationId xmlns:a16="http://schemas.microsoft.com/office/drawing/2014/main" id="{9926D58F-4278-48E1-8367-F86FE8CD1309}"/>
+                  </a:ext>
+                </a:extLst>
+              </p:cNvPr>
+              <p:cNvSpPr/>
+              <p:nvPr/>
+            </p:nvSpPr>
+            <p:spPr>
+              <a:xfrm>
+                <a:off x="5162393" y="4651899"/>
+                <a:ext cx="960230" cy="133178"/>
+              </a:xfrm>
+              <a:prstGeom prst="rect">
+                <a:avLst/>
+              </a:prstGeom>
               <a:solidFill>
+                <a:schemeClr val="accent1">
+                  <a:lumMod val="40000"/>
+                  <a:lumOff val="60000"/>
+                </a:schemeClr>
+              </a:solidFill>
+            </p:spPr>
+            <p:style>
+              <a:lnRef idx="2">
+                <a:schemeClr val="accent1">
+                  <a:shade val="50000"/>
+                </a:schemeClr>
+              </a:lnRef>
+              <a:fillRef idx="1">
                 <a:schemeClr val="accent1"/>
+              </a:fillRef>
+              <a:effectRef idx="0">
+                <a:schemeClr val="accent1"/>
+              </a:effectRef>
+              <a:fontRef idx="minor">
+                <a:schemeClr val="lt1"/>
+              </a:fontRef>
+            </p:style>
+            <p:txBody>
+              <a:bodyPr rtlCol="0" anchor="ctr"/>
+              <a:lstStyle/>
+              <a:p>
+                <a:pPr algn="ctr"/>
+                <a:endParaRPr lang="de-DE"/>
+              </a:p>
+            </p:txBody>
+          </p:sp>
+          <p:sp>
+            <p:nvSpPr>
+              <p:cNvPr id="25" name="Trapezoid 24">
+                <a:extLst>
+                  <a:ext uri="{FF2B5EF4-FFF2-40B4-BE49-F238E27FC236}">
+                    <a16:creationId xmlns:a16="http://schemas.microsoft.com/office/drawing/2014/main" id="{59B761C0-E9AD-434C-90C0-86F7F2FC6F94}"/>
+                  </a:ext>
+                </a:extLst>
+              </p:cNvPr>
+              <p:cNvSpPr/>
+              <p:nvPr/>
+            </p:nvSpPr>
+            <p:spPr>
+              <a:xfrm>
+                <a:off x="5384307" y="4454372"/>
+                <a:ext cx="488272" cy="190875"/>
+              </a:xfrm>
+              <a:prstGeom prst="trapezoid">
+                <a:avLst/>
+              </a:prstGeom>
+              <a:solidFill>
+                <a:schemeClr val="accent2">
+                  <a:lumMod val="40000"/>
+                  <a:lumOff val="60000"/>
+                </a:schemeClr>
               </a:solidFill>
-              <a:prstDash val="dash"/>
-              <a:round/>
-              <a:headEnd type="none" w="med" len="med"/>
-              <a:tailEnd type="none" w="med" len="med"/>
-            </a:ln>
-          </p:spPr>
-          <p:style>
-            <a:lnRef idx="0">
-              <a:scrgbClr r="0" g="0" b="0"/>
-            </a:lnRef>
-            <a:fillRef idx="0">
-              <a:scrgbClr r="0" g="0" b="0"/>
-            </a:fillRef>
-            <a:effectRef idx="0">
-              <a:scrgbClr r="0" g="0" b="0"/>
-            </a:effectRef>
-            <a:fontRef idx="minor">
-              <a:schemeClr val="tx1"/>
-            </a:fontRef>
-          </p:style>
-        </p:cxnSp>
-        <p:cxnSp>
-          <p:nvCxnSpPr>
-            <p:cNvPr id="18" name="Gerader Verbinder 17">
-              <a:extLst>
-                <a:ext uri="{FF2B5EF4-FFF2-40B4-BE49-F238E27FC236}">
-                  <a16:creationId xmlns:a16="http://schemas.microsoft.com/office/drawing/2014/main" id="{F420E34E-213C-4531-9DEF-09DA05318857}"/>
-                </a:ext>
-              </a:extLst>
-            </p:cNvPr>
-            <p:cNvCxnSpPr>
-              <a:cxnSpLocks/>
-            </p:cNvCxnSpPr>
-            <p:nvPr/>
-          </p:nvCxnSpPr>
-          <p:spPr>
-            <a:xfrm flipV="1">
-              <a:off x="5628443" y="2183909"/>
-              <a:ext cx="0" cy="605162"/>
-            </a:xfrm>
-            <a:prstGeom prst="line">
-              <a:avLst/>
-            </a:prstGeom>
-            <a:ln w="9525" cap="flat" cmpd="sng" algn="ctr">
-              <a:solidFill>
+            </p:spPr>
+            <p:style>
+              <a:lnRef idx="2">
+                <a:schemeClr val="accent1">
+                  <a:shade val="50000"/>
+                </a:schemeClr>
+              </a:lnRef>
+              <a:fillRef idx="1">
                 <a:schemeClr val="accent1"/>
-              </a:solidFill>
-              <a:prstDash val="dash"/>
-              <a:round/>
-              <a:headEnd type="none" w="med" len="med"/>
-              <a:tailEnd type="none" w="med" len="med"/>
-            </a:ln>
-          </p:spPr>
-          <p:style>
-            <a:lnRef idx="0">
-              <a:scrgbClr r="0" g="0" b="0"/>
-            </a:lnRef>
-            <a:fillRef idx="0">
-              <a:scrgbClr r="0" g="0" b="0"/>
-            </a:fillRef>
-            <a:effectRef idx="0">
-              <a:scrgbClr r="0" g="0" b="0"/>
-            </a:effectRef>
-            <a:fontRef idx="minor">
-              <a:schemeClr val="tx1"/>
-            </a:fontRef>
-          </p:style>
-        </p:cxnSp>
-        <p:cxnSp>
-          <p:nvCxnSpPr>
-            <p:cNvPr id="20" name="Gerader Verbinder 19">
-              <a:extLst>
-                <a:ext uri="{FF2B5EF4-FFF2-40B4-BE49-F238E27FC236}">
-                  <a16:creationId xmlns:a16="http://schemas.microsoft.com/office/drawing/2014/main" id="{C2144D51-0B34-4470-9754-F241A78F4897}"/>
-                </a:ext>
-              </a:extLst>
-            </p:cNvPr>
-            <p:cNvCxnSpPr>
-              <a:cxnSpLocks/>
-            </p:cNvCxnSpPr>
-            <p:nvPr/>
-          </p:nvCxnSpPr>
-          <p:spPr>
-            <a:xfrm flipV="1">
-              <a:off x="5628443" y="2991775"/>
-              <a:ext cx="0" cy="1145219"/>
-            </a:xfrm>
-            <a:prstGeom prst="line">
-              <a:avLst/>
-            </a:prstGeom>
-            <a:ln w="9525" cap="flat" cmpd="sng" algn="ctr">
-              <a:solidFill>
+              </a:fillRef>
+              <a:effectRef idx="0">
                 <a:schemeClr val="accent1"/>
-              </a:solidFill>
-              <a:prstDash val="dash"/>
-              <a:round/>
-              <a:headEnd type="none" w="med" len="med"/>
-              <a:tailEnd type="none" w="med" len="med"/>
-            </a:ln>
-          </p:spPr>
-          <p:style>
-            <a:lnRef idx="0">
-              <a:scrgbClr r="0" g="0" b="0"/>
-            </a:lnRef>
-            <a:fillRef idx="0">
-              <a:scrgbClr r="0" g="0" b="0"/>
-            </a:fillRef>
-            <a:effectRef idx="0">
-              <a:scrgbClr r="0" g="0" b="0"/>
-            </a:effectRef>
-            <a:fontRef idx="minor">
-              <a:schemeClr val="tx1"/>
-            </a:fontRef>
-          </p:style>
-        </p:cxnSp>
-        <p:cxnSp>
-          <p:nvCxnSpPr>
-            <p:cNvPr id="24" name="Gerader Verbinder 23">
-              <a:extLst>
-                <a:ext uri="{FF2B5EF4-FFF2-40B4-BE49-F238E27FC236}">
-                  <a16:creationId xmlns:a16="http://schemas.microsoft.com/office/drawing/2014/main" id="{0CE63FF7-3A23-4E9D-81EF-02E324D2ECC9}"/>
-                </a:ext>
-              </a:extLst>
-            </p:cNvPr>
-            <p:cNvCxnSpPr>
-              <a:cxnSpLocks/>
-            </p:cNvCxnSpPr>
-            <p:nvPr/>
-          </p:nvCxnSpPr>
-          <p:spPr>
-            <a:xfrm flipV="1">
-              <a:off x="5628443" y="1038690"/>
-              <a:ext cx="0" cy="1145219"/>
-            </a:xfrm>
-            <a:prstGeom prst="line">
-              <a:avLst/>
-            </a:prstGeom>
-            <a:ln w="9525" cap="flat" cmpd="sng" algn="ctr">
-              <a:solidFill>
-                <a:schemeClr val="accent1"/>
-              </a:solidFill>
-              <a:prstDash val="dash"/>
-              <a:round/>
-              <a:headEnd type="none" w="med" len="med"/>
-              <a:tailEnd type="none" w="med" len="med"/>
-            </a:ln>
-          </p:spPr>
-          <p:style>
-            <a:lnRef idx="0">
-              <a:scrgbClr r="0" g="0" b="0"/>
-            </a:lnRef>
-            <a:fillRef idx="0">
-              <a:scrgbClr r="0" g="0" b="0"/>
-            </a:fillRef>
-            <a:effectRef idx="0">
-              <a:scrgbClr r="0" g="0" b="0"/>
-            </a:effectRef>
-            <a:fontRef idx="minor">
-              <a:schemeClr val="tx1"/>
-            </a:fontRef>
-          </p:style>
-        </p:cxnSp>
-        <p:sp>
-          <p:nvSpPr>
-            <p:cNvPr id="25" name="Trapezoid 24">
-              <a:extLst>
-                <a:ext uri="{FF2B5EF4-FFF2-40B4-BE49-F238E27FC236}">
-                  <a16:creationId xmlns:a16="http://schemas.microsoft.com/office/drawing/2014/main" id="{59B761C0-E9AD-434C-90C0-86F7F2FC6F94}"/>
-                </a:ext>
-              </a:extLst>
-            </p:cNvPr>
-            <p:cNvSpPr/>
-            <p:nvPr/>
-          </p:nvSpPr>
-          <p:spPr>
-            <a:xfrm>
-              <a:off x="5384307" y="4454372"/>
-              <a:ext cx="488272" cy="190875"/>
-            </a:xfrm>
-            <a:prstGeom prst="trapezoid">
-              <a:avLst/>
-            </a:prstGeom>
-            <a:solidFill>
-              <a:schemeClr val="accent2">
-                <a:lumMod val="40000"/>
-                <a:lumOff val="60000"/>
-              </a:schemeClr>
-            </a:solidFill>
-          </p:spPr>
-          <p:style>
-            <a:lnRef idx="2">
-              <a:schemeClr val="accent1">
-                <a:shade val="50000"/>
-              </a:schemeClr>
-            </a:lnRef>
-            <a:fillRef idx="1">
-              <a:schemeClr val="accent1"/>
-            </a:fillRef>
-            <a:effectRef idx="0">
-              <a:schemeClr val="accent1"/>
-            </a:effectRef>
-            <a:fontRef idx="minor">
-              <a:schemeClr val="lt1"/>
-            </a:fontRef>
-          </p:style>
-          <p:txBody>
-            <a:bodyPr rtlCol="0" anchor="ctr"/>
-            <a:lstStyle/>
-            <a:p>
-              <a:pPr algn="ctr"/>
-              <a:endParaRPr lang="de-DE"/>
-            </a:p>
-          </p:txBody>
-        </p:sp>
-        <p:cxnSp>
-          <p:nvCxnSpPr>
-            <p:cNvPr id="26" name="Gerader Verbinder 25">
-              <a:extLst>
-                <a:ext uri="{FF2B5EF4-FFF2-40B4-BE49-F238E27FC236}">
-                  <a16:creationId xmlns:a16="http://schemas.microsoft.com/office/drawing/2014/main" id="{8853B938-637D-45C3-88DE-6FB637FF0279}"/>
-                </a:ext>
-              </a:extLst>
-            </p:cNvPr>
-            <p:cNvCxnSpPr>
-              <a:cxnSpLocks/>
-            </p:cNvCxnSpPr>
-            <p:nvPr/>
-          </p:nvCxnSpPr>
-          <p:spPr>
-            <a:xfrm flipV="1">
-              <a:off x="5628443" y="4342666"/>
-              <a:ext cx="0" cy="605162"/>
-            </a:xfrm>
-            <a:prstGeom prst="line">
-              <a:avLst/>
-            </a:prstGeom>
-            <a:ln w="9525" cap="flat" cmpd="sng" algn="ctr">
-              <a:solidFill>
-                <a:schemeClr val="accent1"/>
-              </a:solidFill>
-              <a:prstDash val="dash"/>
-              <a:round/>
-              <a:headEnd type="none" w="med" len="med"/>
-              <a:tailEnd type="none" w="med" len="med"/>
-            </a:ln>
-          </p:spPr>
-          <p:style>
-            <a:lnRef idx="0">
-              <a:scrgbClr r="0" g="0" b="0"/>
-            </a:lnRef>
-            <a:fillRef idx="0">
-              <a:scrgbClr r="0" g="0" b="0"/>
-            </a:fillRef>
-            <a:effectRef idx="0">
-              <a:scrgbClr r="0" g="0" b="0"/>
-            </a:effectRef>
-            <a:fontRef idx="minor">
-              <a:schemeClr val="tx1"/>
-            </a:fontRef>
-          </p:style>
-        </p:cxnSp>
+              </a:effectRef>
+              <a:fontRef idx="minor">
+                <a:schemeClr val="lt1"/>
+              </a:fontRef>
+            </p:style>
+            <p:txBody>
+              <a:bodyPr rtlCol="0" anchor="ctr"/>
+              <a:lstStyle/>
+              <a:p>
+                <a:pPr algn="ctr"/>
+                <a:endParaRPr lang="de-DE"/>
+              </a:p>
+            </p:txBody>
+          </p:sp>
+          <p:cxnSp>
+            <p:nvCxnSpPr>
+              <p:cNvPr id="26" name="Gerader Verbinder 25">
+                <a:extLst>
+                  <a:ext uri="{FF2B5EF4-FFF2-40B4-BE49-F238E27FC236}">
+                    <a16:creationId xmlns:a16="http://schemas.microsoft.com/office/drawing/2014/main" id="{8853B938-637D-45C3-88DE-6FB637FF0279}"/>
+                  </a:ext>
+                </a:extLst>
+              </p:cNvPr>
+              <p:cNvCxnSpPr>
+                <a:cxnSpLocks/>
+              </p:cNvCxnSpPr>
+              <p:nvPr/>
+            </p:nvCxnSpPr>
+            <p:spPr>
+              <a:xfrm flipV="1">
+                <a:off x="5628443" y="4342666"/>
+                <a:ext cx="0" cy="605162"/>
+              </a:xfrm>
+              <a:prstGeom prst="line">
+                <a:avLst/>
+              </a:prstGeom>
+              <a:ln w="9525" cap="flat" cmpd="sng" algn="ctr">
+                <a:solidFill>
+                  <a:schemeClr val="accent1"/>
+                </a:solidFill>
+                <a:prstDash val="dash"/>
+                <a:round/>
+                <a:headEnd type="none" w="med" len="med"/>
+                <a:tailEnd type="none" w="med" len="med"/>
+              </a:ln>
+            </p:spPr>
+            <p:style>
+              <a:lnRef idx="0">
+                <a:scrgbClr r="0" g="0" b="0"/>
+              </a:lnRef>
+              <a:fillRef idx="0">
+                <a:scrgbClr r="0" g="0" b="0"/>
+              </a:fillRef>
+              <a:effectRef idx="0">
+                <a:scrgbClr r="0" g="0" b="0"/>
+              </a:effectRef>
+              <a:fontRef idx="minor">
+                <a:schemeClr val="tx1"/>
+              </a:fontRef>
+            </p:style>
+          </p:cxnSp>
+        </p:grpSp>
       </p:grpSp>
     </p:spTree>
     <p:extLst>
